--- a/个人测试任务表/0113测试问题/0113测试.pptx
+++ b/个人测试任务表/0113测试问题/0113测试.pptx
@@ -1,17 +1,17 @@
 
 <file path=ppt/presentation.xml><?xml version="1.0" encoding="utf-8"?>
-<p:presentation xmlns:a="http://schemas.openxmlformats.org/drawingml/2006/main" xmlns:r="http://schemas.openxmlformats.org/officeDocument/2006/relationships" xmlns:p="http://schemas.openxmlformats.org/presentationml/2006/main" saveSubsetFonts="1">
+<p:presentation xmlns:a="http://schemas.openxmlformats.org/drawingml/2006/main" xmlns:r="http://schemas.openxmlformats.org/officeDocument/2006/relationships" xmlns:p="http://schemas.openxmlformats.org/presentationml/2006/main">
   <p:sldMasterIdLst>
     <p:sldMasterId id="2147483648" r:id="rId1"/>
   </p:sldMasterIdLst>
   <p:notesMasterIdLst>
-    <p:notesMasterId r:id="rId6"/>
+    <p:notesMasterId r:id="rId5"/>
   </p:notesMasterIdLst>
   <p:sldIdLst>
-    <p:sldId id="256" r:id="rId2"/>
-    <p:sldId id="257" r:id="rId3"/>
-    <p:sldId id="258" r:id="rId4"/>
-    <p:sldId id="259" r:id="rId5"/>
+    <p:sldId id="256" r:id="rId3"/>
+    <p:sldId id="257" r:id="rId4"/>
+    <p:sldId id="258" r:id="rId6"/>
+    <p:sldId id="259" r:id="rId7"/>
   </p:sldIdLst>
   <p:sldSz cx="9144000" cy="6858000" type="screen4x3"/>
   <p:notesSz cx="6858000" cy="9144000"/>
@@ -213,7 +213,6 @@
           <a:p>
             <a:fld id="{39C784C7-F223-4D04-A2F4-000CA21AEE98}" type="datetimeFigureOut">
               <a:rPr lang="zh-CN" altLang="en-US" smtClean="0"/>
-              <a:t>2018/1/14</a:t>
             </a:fld>
             <a:endParaRPr lang="zh-CN" altLang="en-US"/>
           </a:p>
@@ -280,6 +279,7 @@
               <a:rPr lang="zh-CN" altLang="en-US" smtClean="0"/>
               <a:t>单击此处编辑母版文本样式</a:t>
             </a:r>
+            <a:endParaRPr lang="zh-CN" altLang="en-US" smtClean="0"/>
           </a:p>
           <a:p>
             <a:pPr lvl="1"/>
@@ -287,6 +287,7 @@
               <a:rPr lang="zh-CN" altLang="en-US" smtClean="0"/>
               <a:t>第二级</a:t>
             </a:r>
+            <a:endParaRPr lang="zh-CN" altLang="en-US" smtClean="0"/>
           </a:p>
           <a:p>
             <a:pPr lvl="2"/>
@@ -294,6 +295,7 @@
               <a:rPr lang="zh-CN" altLang="en-US" smtClean="0"/>
               <a:t>第三级</a:t>
             </a:r>
+            <a:endParaRPr lang="zh-CN" altLang="en-US" smtClean="0"/>
           </a:p>
           <a:p>
             <a:pPr lvl="3"/>
@@ -301,6 +303,7 @@
               <a:rPr lang="zh-CN" altLang="en-US" smtClean="0"/>
               <a:t>第四级</a:t>
             </a:r>
+            <a:endParaRPr lang="zh-CN" altLang="en-US" smtClean="0"/>
           </a:p>
           <a:p>
             <a:pPr lvl="4"/>
@@ -372,18 +375,12 @@
           <a:p>
             <a:fld id="{46CB7793-AB19-4D5C-A3F6-0F2D68E1366C}" type="slidenum">
               <a:rPr lang="zh-CN" altLang="en-US" smtClean="0"/>
-              <a:t>‹#›</a:t>
             </a:fld>
             <a:endParaRPr lang="zh-CN" altLang="en-US"/>
           </a:p>
         </p:txBody>
       </p:sp>
     </p:spTree>
-    <p:extLst>
-      <p:ext uri="{BB962C8B-B14F-4D97-AF65-F5344CB8AC3E}">
-        <p14:creationId xmlns:p14="http://schemas.microsoft.com/office/powerpoint/2010/main" val="1755451780"/>
-      </p:ext>
-    </p:extLst>
   </p:cSld>
   <p:clrMap bg1="lt1" tx1="dk1" bg2="lt2" tx2="dk2" accent1="accent1" accent2="accent2" accent3="accent3" accent4="accent4" accent5="accent5" accent6="accent6" hlink="hlink" folHlink="folHlink"/>
   <p:notesStyle>
@@ -546,18 +543,12 @@
           <a:p>
             <a:fld id="{46CB7793-AB19-4D5C-A3F6-0F2D68E1366C}" type="slidenum">
               <a:rPr lang="zh-CN" altLang="en-US" smtClean="0"/>
-              <a:t>2</a:t>
             </a:fld>
             <a:endParaRPr lang="zh-CN" altLang="en-US"/>
           </a:p>
         </p:txBody>
       </p:sp>
     </p:spTree>
-    <p:extLst>
-      <p:ext uri="{BB962C8B-B14F-4D97-AF65-F5344CB8AC3E}">
-        <p14:creationId xmlns:p14="http://schemas.microsoft.com/office/powerpoint/2010/main" val="1500392200"/>
-      </p:ext>
-    </p:extLst>
   </p:cSld>
   <p:clrMapOvr>
     <a:masterClrMapping/>
@@ -746,7 +737,6 @@
           <a:p>
             <a:fld id="{530820CF-B880-4189-942D-D702A7CBA730}" type="datetimeFigureOut">
               <a:rPr lang="zh-CN" altLang="en-US" smtClean="0"/>
-              <a:t>2018/1/14</a:t>
             </a:fld>
             <a:endParaRPr lang="zh-CN" altLang="en-US"/>
           </a:p>
@@ -788,7 +778,6 @@
           <a:p>
             <a:fld id="{0C913308-F349-4B6D-A68A-DD1791B4A57B}" type="slidenum">
               <a:rPr lang="zh-CN" altLang="en-US" smtClean="0"/>
-              <a:t>‹#›</a:t>
             </a:fld>
             <a:endParaRPr lang="zh-CN" altLang="en-US"/>
           </a:p>
@@ -862,6 +851,7 @@
               <a:rPr lang="zh-CN" altLang="en-US" smtClean="0"/>
               <a:t>单击此处编辑母版文本样式</a:t>
             </a:r>
+            <a:endParaRPr lang="zh-CN" altLang="en-US" smtClean="0"/>
           </a:p>
           <a:p>
             <a:pPr lvl="1"/>
@@ -869,6 +859,7 @@
               <a:rPr lang="zh-CN" altLang="en-US" smtClean="0"/>
               <a:t>第二级</a:t>
             </a:r>
+            <a:endParaRPr lang="zh-CN" altLang="en-US" smtClean="0"/>
           </a:p>
           <a:p>
             <a:pPr lvl="2"/>
@@ -876,6 +867,7 @@
               <a:rPr lang="zh-CN" altLang="en-US" smtClean="0"/>
               <a:t>第三级</a:t>
             </a:r>
+            <a:endParaRPr lang="zh-CN" altLang="en-US" smtClean="0"/>
           </a:p>
           <a:p>
             <a:pPr lvl="3"/>
@@ -883,6 +875,7 @@
               <a:rPr lang="zh-CN" altLang="en-US" smtClean="0"/>
               <a:t>第四级</a:t>
             </a:r>
+            <a:endParaRPr lang="zh-CN" altLang="en-US" smtClean="0"/>
           </a:p>
           <a:p>
             <a:pPr lvl="4"/>
@@ -911,7 +904,6 @@
           <a:p>
             <a:fld id="{530820CF-B880-4189-942D-D702A7CBA730}" type="datetimeFigureOut">
               <a:rPr lang="zh-CN" altLang="en-US" smtClean="0"/>
-              <a:t>2018/1/14</a:t>
             </a:fld>
             <a:endParaRPr lang="zh-CN" altLang="en-US"/>
           </a:p>
@@ -953,7 +945,6 @@
           <a:p>
             <a:fld id="{0C913308-F349-4B6D-A68A-DD1791B4A57B}" type="slidenum">
               <a:rPr lang="zh-CN" altLang="en-US" smtClean="0"/>
-              <a:t>‹#›</a:t>
             </a:fld>
             <a:endParaRPr lang="zh-CN" altLang="en-US"/>
           </a:p>
@@ -1037,6 +1028,7 @@
               <a:rPr lang="zh-CN" altLang="en-US" smtClean="0"/>
               <a:t>单击此处编辑母版文本样式</a:t>
             </a:r>
+            <a:endParaRPr lang="zh-CN" altLang="en-US" smtClean="0"/>
           </a:p>
           <a:p>
             <a:pPr lvl="1"/>
@@ -1044,6 +1036,7 @@
               <a:rPr lang="zh-CN" altLang="en-US" smtClean="0"/>
               <a:t>第二级</a:t>
             </a:r>
+            <a:endParaRPr lang="zh-CN" altLang="en-US" smtClean="0"/>
           </a:p>
           <a:p>
             <a:pPr lvl="2"/>
@@ -1051,6 +1044,7 @@
               <a:rPr lang="zh-CN" altLang="en-US" smtClean="0"/>
               <a:t>第三级</a:t>
             </a:r>
+            <a:endParaRPr lang="zh-CN" altLang="en-US" smtClean="0"/>
           </a:p>
           <a:p>
             <a:pPr lvl="3"/>
@@ -1058,6 +1052,7 @@
               <a:rPr lang="zh-CN" altLang="en-US" smtClean="0"/>
               <a:t>第四级</a:t>
             </a:r>
+            <a:endParaRPr lang="zh-CN" altLang="en-US" smtClean="0"/>
           </a:p>
           <a:p>
             <a:pPr lvl="4"/>
@@ -1086,7 +1081,6 @@
           <a:p>
             <a:fld id="{530820CF-B880-4189-942D-D702A7CBA730}" type="datetimeFigureOut">
               <a:rPr lang="zh-CN" altLang="en-US" smtClean="0"/>
-              <a:t>2018/1/14</a:t>
             </a:fld>
             <a:endParaRPr lang="zh-CN" altLang="en-US"/>
           </a:p>
@@ -1128,7 +1122,6 @@
           <a:p>
             <a:fld id="{0C913308-F349-4B6D-A68A-DD1791B4A57B}" type="slidenum">
               <a:rPr lang="zh-CN" altLang="en-US" smtClean="0"/>
-              <a:t>‹#›</a:t>
             </a:fld>
             <a:endParaRPr lang="zh-CN" altLang="en-US"/>
           </a:p>
@@ -1202,6 +1195,7 @@
               <a:rPr lang="zh-CN" altLang="en-US" smtClean="0"/>
               <a:t>单击此处编辑母版文本样式</a:t>
             </a:r>
+            <a:endParaRPr lang="zh-CN" altLang="en-US" smtClean="0"/>
           </a:p>
           <a:p>
             <a:pPr lvl="1"/>
@@ -1209,6 +1203,7 @@
               <a:rPr lang="zh-CN" altLang="en-US" smtClean="0"/>
               <a:t>第二级</a:t>
             </a:r>
+            <a:endParaRPr lang="zh-CN" altLang="en-US" smtClean="0"/>
           </a:p>
           <a:p>
             <a:pPr lvl="2"/>
@@ -1216,6 +1211,7 @@
               <a:rPr lang="zh-CN" altLang="en-US" smtClean="0"/>
               <a:t>第三级</a:t>
             </a:r>
+            <a:endParaRPr lang="zh-CN" altLang="en-US" smtClean="0"/>
           </a:p>
           <a:p>
             <a:pPr lvl="3"/>
@@ -1223,6 +1219,7 @@
               <a:rPr lang="zh-CN" altLang="en-US" smtClean="0"/>
               <a:t>第四级</a:t>
             </a:r>
+            <a:endParaRPr lang="zh-CN" altLang="en-US" smtClean="0"/>
           </a:p>
           <a:p>
             <a:pPr lvl="4"/>
@@ -1251,7 +1248,6 @@
           <a:p>
             <a:fld id="{530820CF-B880-4189-942D-D702A7CBA730}" type="datetimeFigureOut">
               <a:rPr lang="zh-CN" altLang="en-US" smtClean="0"/>
-              <a:t>2018/1/14</a:t>
             </a:fld>
             <a:endParaRPr lang="zh-CN" altLang="en-US"/>
           </a:p>
@@ -1293,7 +1289,6 @@
           <a:p>
             <a:fld id="{0C913308-F349-4B6D-A68A-DD1791B4A57B}" type="slidenum">
               <a:rPr lang="zh-CN" altLang="en-US" smtClean="0"/>
-              <a:t>‹#›</a:t>
             </a:fld>
             <a:endParaRPr lang="zh-CN" altLang="en-US"/>
           </a:p>
@@ -1472,6 +1467,7 @@
               <a:rPr lang="zh-CN" altLang="en-US" smtClean="0"/>
               <a:t>单击此处编辑母版文本样式</a:t>
             </a:r>
+            <a:endParaRPr lang="zh-CN" altLang="en-US" smtClean="0"/>
           </a:p>
         </p:txBody>
       </p:sp>
@@ -1492,7 +1488,6 @@
           <a:p>
             <a:fld id="{530820CF-B880-4189-942D-D702A7CBA730}" type="datetimeFigureOut">
               <a:rPr lang="zh-CN" altLang="en-US" smtClean="0"/>
-              <a:t>2018/1/14</a:t>
             </a:fld>
             <a:endParaRPr lang="zh-CN" altLang="en-US"/>
           </a:p>
@@ -1534,7 +1529,6 @@
           <a:p>
             <a:fld id="{0C913308-F349-4B6D-A68A-DD1791B4A57B}" type="slidenum">
               <a:rPr lang="zh-CN" altLang="en-US" smtClean="0"/>
-              <a:t>‹#›</a:t>
             </a:fld>
             <a:endParaRPr lang="zh-CN" altLang="en-US"/>
           </a:p>
@@ -1641,6 +1635,7 @@
               <a:rPr lang="zh-CN" altLang="en-US" smtClean="0"/>
               <a:t>单击此处编辑母版文本样式</a:t>
             </a:r>
+            <a:endParaRPr lang="zh-CN" altLang="en-US" smtClean="0"/>
           </a:p>
           <a:p>
             <a:pPr lvl="1"/>
@@ -1648,6 +1643,7 @@
               <a:rPr lang="zh-CN" altLang="en-US" smtClean="0"/>
               <a:t>第二级</a:t>
             </a:r>
+            <a:endParaRPr lang="zh-CN" altLang="en-US" smtClean="0"/>
           </a:p>
           <a:p>
             <a:pPr lvl="2"/>
@@ -1655,6 +1651,7 @@
               <a:rPr lang="zh-CN" altLang="en-US" smtClean="0"/>
               <a:t>第三级</a:t>
             </a:r>
+            <a:endParaRPr lang="zh-CN" altLang="en-US" smtClean="0"/>
           </a:p>
           <a:p>
             <a:pPr lvl="3"/>
@@ -1662,6 +1659,7 @@
               <a:rPr lang="zh-CN" altLang="en-US" smtClean="0"/>
               <a:t>第四级</a:t>
             </a:r>
+            <a:endParaRPr lang="zh-CN" altLang="en-US" smtClean="0"/>
           </a:p>
           <a:p>
             <a:pPr lvl="4"/>
@@ -1726,6 +1724,7 @@
               <a:rPr lang="zh-CN" altLang="en-US" smtClean="0"/>
               <a:t>单击此处编辑母版文本样式</a:t>
             </a:r>
+            <a:endParaRPr lang="zh-CN" altLang="en-US" smtClean="0"/>
           </a:p>
           <a:p>
             <a:pPr lvl="1"/>
@@ -1733,6 +1732,7 @@
               <a:rPr lang="zh-CN" altLang="en-US" smtClean="0"/>
               <a:t>第二级</a:t>
             </a:r>
+            <a:endParaRPr lang="zh-CN" altLang="en-US" smtClean="0"/>
           </a:p>
           <a:p>
             <a:pPr lvl="2"/>
@@ -1740,6 +1740,7 @@
               <a:rPr lang="zh-CN" altLang="en-US" smtClean="0"/>
               <a:t>第三级</a:t>
             </a:r>
+            <a:endParaRPr lang="zh-CN" altLang="en-US" smtClean="0"/>
           </a:p>
           <a:p>
             <a:pPr lvl="3"/>
@@ -1747,6 +1748,7 @@
               <a:rPr lang="zh-CN" altLang="en-US" smtClean="0"/>
               <a:t>第四级</a:t>
             </a:r>
+            <a:endParaRPr lang="zh-CN" altLang="en-US" smtClean="0"/>
           </a:p>
           <a:p>
             <a:pPr lvl="4"/>
@@ -1775,7 +1777,6 @@
           <a:p>
             <a:fld id="{530820CF-B880-4189-942D-D702A7CBA730}" type="datetimeFigureOut">
               <a:rPr lang="zh-CN" altLang="en-US" smtClean="0"/>
-              <a:t>2018/1/14</a:t>
             </a:fld>
             <a:endParaRPr lang="zh-CN" altLang="en-US"/>
           </a:p>
@@ -1817,7 +1818,6 @@
           <a:p>
             <a:fld id="{0C913308-F349-4B6D-A68A-DD1791B4A57B}" type="slidenum">
               <a:rPr lang="zh-CN" altLang="en-US" smtClean="0"/>
-              <a:t>‹#›</a:t>
             </a:fld>
             <a:endParaRPr lang="zh-CN" altLang="en-US"/>
           </a:p>
@@ -1937,6 +1937,7 @@
               <a:rPr lang="zh-CN" altLang="en-US" smtClean="0"/>
               <a:t>单击此处编辑母版文本样式</a:t>
             </a:r>
+            <a:endParaRPr lang="zh-CN" altLang="en-US" smtClean="0"/>
           </a:p>
         </p:txBody>
       </p:sp>
@@ -1993,6 +1994,7 @@
               <a:rPr lang="zh-CN" altLang="en-US" smtClean="0"/>
               <a:t>单击此处编辑母版文本样式</a:t>
             </a:r>
+            <a:endParaRPr lang="zh-CN" altLang="en-US" smtClean="0"/>
           </a:p>
           <a:p>
             <a:pPr lvl="1"/>
@@ -2000,6 +2002,7 @@
               <a:rPr lang="zh-CN" altLang="en-US" smtClean="0"/>
               <a:t>第二级</a:t>
             </a:r>
+            <a:endParaRPr lang="zh-CN" altLang="en-US" smtClean="0"/>
           </a:p>
           <a:p>
             <a:pPr lvl="2"/>
@@ -2007,6 +2010,7 @@
               <a:rPr lang="zh-CN" altLang="en-US" smtClean="0"/>
               <a:t>第三级</a:t>
             </a:r>
+            <a:endParaRPr lang="zh-CN" altLang="en-US" smtClean="0"/>
           </a:p>
           <a:p>
             <a:pPr lvl="3"/>
@@ -2014,6 +2018,7 @@
               <a:rPr lang="zh-CN" altLang="en-US" smtClean="0"/>
               <a:t>第四级</a:t>
             </a:r>
+            <a:endParaRPr lang="zh-CN" altLang="en-US" smtClean="0"/>
           </a:p>
           <a:p>
             <a:pPr lvl="4"/>
@@ -2087,6 +2092,7 @@
               <a:rPr lang="zh-CN" altLang="en-US" smtClean="0"/>
               <a:t>单击此处编辑母版文本样式</a:t>
             </a:r>
+            <a:endParaRPr lang="zh-CN" altLang="en-US" smtClean="0"/>
           </a:p>
         </p:txBody>
       </p:sp>
@@ -2143,6 +2149,7 @@
               <a:rPr lang="zh-CN" altLang="en-US" smtClean="0"/>
               <a:t>单击此处编辑母版文本样式</a:t>
             </a:r>
+            <a:endParaRPr lang="zh-CN" altLang="en-US" smtClean="0"/>
           </a:p>
           <a:p>
             <a:pPr lvl="1"/>
@@ -2150,6 +2157,7 @@
               <a:rPr lang="zh-CN" altLang="en-US" smtClean="0"/>
               <a:t>第二级</a:t>
             </a:r>
+            <a:endParaRPr lang="zh-CN" altLang="en-US" smtClean="0"/>
           </a:p>
           <a:p>
             <a:pPr lvl="2"/>
@@ -2157,6 +2165,7 @@
               <a:rPr lang="zh-CN" altLang="en-US" smtClean="0"/>
               <a:t>第三级</a:t>
             </a:r>
+            <a:endParaRPr lang="zh-CN" altLang="en-US" smtClean="0"/>
           </a:p>
           <a:p>
             <a:pPr lvl="3"/>
@@ -2164,6 +2173,7 @@
               <a:rPr lang="zh-CN" altLang="en-US" smtClean="0"/>
               <a:t>第四级</a:t>
             </a:r>
+            <a:endParaRPr lang="zh-CN" altLang="en-US" smtClean="0"/>
           </a:p>
           <a:p>
             <a:pPr lvl="4"/>
@@ -2192,7 +2202,6 @@
           <a:p>
             <a:fld id="{530820CF-B880-4189-942D-D702A7CBA730}" type="datetimeFigureOut">
               <a:rPr lang="zh-CN" altLang="en-US" smtClean="0"/>
-              <a:t>2018/1/14</a:t>
             </a:fld>
             <a:endParaRPr lang="zh-CN" altLang="en-US"/>
           </a:p>
@@ -2234,7 +2243,6 @@
           <a:p>
             <a:fld id="{0C913308-F349-4B6D-A68A-DD1791B4A57B}" type="slidenum">
               <a:rPr lang="zh-CN" altLang="en-US" smtClean="0"/>
-              <a:t>‹#›</a:t>
             </a:fld>
             <a:endParaRPr lang="zh-CN" altLang="en-US"/>
           </a:p>
@@ -2305,7 +2313,6 @@
           <a:p>
             <a:fld id="{530820CF-B880-4189-942D-D702A7CBA730}" type="datetimeFigureOut">
               <a:rPr lang="zh-CN" altLang="en-US" smtClean="0"/>
-              <a:t>2018/1/14</a:t>
             </a:fld>
             <a:endParaRPr lang="zh-CN" altLang="en-US"/>
           </a:p>
@@ -2347,7 +2354,6 @@
           <a:p>
             <a:fld id="{0C913308-F349-4B6D-A68A-DD1791B4A57B}" type="slidenum">
               <a:rPr lang="zh-CN" altLang="en-US" smtClean="0"/>
-              <a:t>‹#›</a:t>
             </a:fld>
             <a:endParaRPr lang="zh-CN" altLang="en-US"/>
           </a:p>
@@ -2395,7 +2401,6 @@
           <a:p>
             <a:fld id="{530820CF-B880-4189-942D-D702A7CBA730}" type="datetimeFigureOut">
               <a:rPr lang="zh-CN" altLang="en-US" smtClean="0"/>
-              <a:t>2018/1/14</a:t>
             </a:fld>
             <a:endParaRPr lang="zh-CN" altLang="en-US"/>
           </a:p>
@@ -2437,7 +2442,6 @@
           <a:p>
             <a:fld id="{0C913308-F349-4B6D-A68A-DD1791B4A57B}" type="slidenum">
               <a:rPr lang="zh-CN" altLang="en-US" smtClean="0"/>
-              <a:t>‹#›</a:t>
             </a:fld>
             <a:endParaRPr lang="zh-CN" altLang="en-US"/>
           </a:p>
@@ -2553,6 +2557,7 @@
               <a:rPr lang="zh-CN" altLang="en-US" smtClean="0"/>
               <a:t>单击此处编辑母版文本样式</a:t>
             </a:r>
+            <a:endParaRPr lang="zh-CN" altLang="en-US" smtClean="0"/>
           </a:p>
           <a:p>
             <a:pPr lvl="1"/>
@@ -2560,6 +2565,7 @@
               <a:rPr lang="zh-CN" altLang="en-US" smtClean="0"/>
               <a:t>第二级</a:t>
             </a:r>
+            <a:endParaRPr lang="zh-CN" altLang="en-US" smtClean="0"/>
           </a:p>
           <a:p>
             <a:pPr lvl="2"/>
@@ -2567,6 +2573,7 @@
               <a:rPr lang="zh-CN" altLang="en-US" smtClean="0"/>
               <a:t>第三级</a:t>
             </a:r>
+            <a:endParaRPr lang="zh-CN" altLang="en-US" smtClean="0"/>
           </a:p>
           <a:p>
             <a:pPr lvl="3"/>
@@ -2574,6 +2581,7 @@
               <a:rPr lang="zh-CN" altLang="en-US" smtClean="0"/>
               <a:t>第四级</a:t>
             </a:r>
+            <a:endParaRPr lang="zh-CN" altLang="en-US" smtClean="0"/>
           </a:p>
           <a:p>
             <a:pPr lvl="4"/>
@@ -2647,6 +2655,7 @@
               <a:rPr lang="zh-CN" altLang="en-US" smtClean="0"/>
               <a:t>单击此处编辑母版文本样式</a:t>
             </a:r>
+            <a:endParaRPr lang="zh-CN" altLang="en-US" smtClean="0"/>
           </a:p>
         </p:txBody>
       </p:sp>
@@ -2667,7 +2676,6 @@
           <a:p>
             <a:fld id="{530820CF-B880-4189-942D-D702A7CBA730}" type="datetimeFigureOut">
               <a:rPr lang="zh-CN" altLang="en-US" smtClean="0"/>
-              <a:t>2018/1/14</a:t>
             </a:fld>
             <a:endParaRPr lang="zh-CN" altLang="en-US"/>
           </a:p>
@@ -2709,7 +2717,6 @@
           <a:p>
             <a:fld id="{0C913308-F349-4B6D-A68A-DD1791B4A57B}" type="slidenum">
               <a:rPr lang="zh-CN" altLang="en-US" smtClean="0"/>
-              <a:t>‹#›</a:t>
             </a:fld>
             <a:endParaRPr lang="zh-CN" altLang="en-US"/>
           </a:p>
@@ -2895,6 +2902,7 @@
               <a:rPr lang="zh-CN" altLang="en-US" smtClean="0"/>
               <a:t>单击此处编辑母版文本样式</a:t>
             </a:r>
+            <a:endParaRPr lang="zh-CN" altLang="en-US" smtClean="0"/>
           </a:p>
         </p:txBody>
       </p:sp>
@@ -2915,7 +2923,6 @@
           <a:p>
             <a:fld id="{530820CF-B880-4189-942D-D702A7CBA730}" type="datetimeFigureOut">
               <a:rPr lang="zh-CN" altLang="en-US" smtClean="0"/>
-              <a:t>2018/1/14</a:t>
             </a:fld>
             <a:endParaRPr lang="zh-CN" altLang="en-US"/>
           </a:p>
@@ -2957,7 +2964,6 @@
           <a:p>
             <a:fld id="{0C913308-F349-4B6D-A68A-DD1791B4A57B}" type="slidenum">
               <a:rPr lang="zh-CN" altLang="en-US" smtClean="0"/>
-              <a:t>‹#›</a:t>
             </a:fld>
             <a:endParaRPr lang="zh-CN" altLang="en-US"/>
           </a:p>
@@ -3056,6 +3062,7 @@
               <a:rPr lang="zh-CN" altLang="en-US" smtClean="0"/>
               <a:t>单击此处编辑母版文本样式</a:t>
             </a:r>
+            <a:endParaRPr lang="zh-CN" altLang="en-US" smtClean="0"/>
           </a:p>
           <a:p>
             <a:pPr lvl="1"/>
@@ -3063,6 +3070,7 @@
               <a:rPr lang="zh-CN" altLang="en-US" smtClean="0"/>
               <a:t>第二级</a:t>
             </a:r>
+            <a:endParaRPr lang="zh-CN" altLang="en-US" smtClean="0"/>
           </a:p>
           <a:p>
             <a:pPr lvl="2"/>
@@ -3070,6 +3078,7 @@
               <a:rPr lang="zh-CN" altLang="en-US" smtClean="0"/>
               <a:t>第三级</a:t>
             </a:r>
+            <a:endParaRPr lang="zh-CN" altLang="en-US" smtClean="0"/>
           </a:p>
           <a:p>
             <a:pPr lvl="3"/>
@@ -3077,6 +3086,7 @@
               <a:rPr lang="zh-CN" altLang="en-US" smtClean="0"/>
               <a:t>第四级</a:t>
             </a:r>
+            <a:endParaRPr lang="zh-CN" altLang="en-US" smtClean="0"/>
           </a:p>
           <a:p>
             <a:pPr lvl="4"/>
@@ -3123,7 +3133,6 @@
           <a:p>
             <a:fld id="{530820CF-B880-4189-942D-D702A7CBA730}" type="datetimeFigureOut">
               <a:rPr lang="zh-CN" altLang="en-US" smtClean="0"/>
-              <a:t>2018/1/14</a:t>
             </a:fld>
             <a:endParaRPr lang="zh-CN" altLang="en-US"/>
           </a:p>
@@ -3201,7 +3210,6 @@
           <a:p>
             <a:fld id="{0C913308-F349-4B6D-A68A-DD1791B4A57B}" type="slidenum">
               <a:rPr lang="zh-CN" altLang="en-US" smtClean="0"/>
-              <a:t>‹#›</a:t>
             </a:fld>
             <a:endParaRPr lang="zh-CN" altLang="en-US"/>
           </a:p>
@@ -3245,7 +3253,7 @@
         <a:spcBef>
           <a:spcPct val="20000"/>
         </a:spcBef>
-        <a:buFont typeface="Arial" pitchFamily="34" charset="0"/>
+        <a:buFont typeface="Arial" panose="020B0604020202020204" pitchFamily="34" charset="0"/>
         <a:buChar char="•"/>
         <a:defRPr sz="3200" kern="1200">
           <a:solidFill>
@@ -3260,7 +3268,7 @@
         <a:spcBef>
           <a:spcPct val="20000"/>
         </a:spcBef>
-        <a:buFont typeface="Arial" pitchFamily="34" charset="0"/>
+        <a:buFont typeface="Arial" panose="020B0604020202020204" pitchFamily="34" charset="0"/>
         <a:buChar char="–"/>
         <a:defRPr sz="2800" kern="1200">
           <a:solidFill>
@@ -3275,7 +3283,7 @@
         <a:spcBef>
           <a:spcPct val="20000"/>
         </a:spcBef>
-        <a:buFont typeface="Arial" pitchFamily="34" charset="0"/>
+        <a:buFont typeface="Arial" panose="020B0604020202020204" pitchFamily="34" charset="0"/>
         <a:buChar char="•"/>
         <a:defRPr sz="2400" kern="1200">
           <a:solidFill>
@@ -3290,7 +3298,7 @@
         <a:spcBef>
           <a:spcPct val="20000"/>
         </a:spcBef>
-        <a:buFont typeface="Arial" pitchFamily="34" charset="0"/>
+        <a:buFont typeface="Arial" panose="020B0604020202020204" pitchFamily="34" charset="0"/>
         <a:buChar char="–"/>
         <a:defRPr sz="2000" kern="1200">
           <a:solidFill>
@@ -3305,7 +3313,7 @@
         <a:spcBef>
           <a:spcPct val="20000"/>
         </a:spcBef>
-        <a:buFont typeface="Arial" pitchFamily="34" charset="0"/>
+        <a:buFont typeface="Arial" panose="020B0604020202020204" pitchFamily="34" charset="0"/>
         <a:buChar char="»"/>
         <a:defRPr sz="2000" kern="1200">
           <a:solidFill>
@@ -3320,7 +3328,7 @@
         <a:spcBef>
           <a:spcPct val="20000"/>
         </a:spcBef>
-        <a:buFont typeface="Arial" pitchFamily="34" charset="0"/>
+        <a:buFont typeface="Arial" panose="020B0604020202020204" pitchFamily="34" charset="0"/>
         <a:buChar char="•"/>
         <a:defRPr sz="2000" kern="1200">
           <a:solidFill>
@@ -3335,7 +3343,7 @@
         <a:spcBef>
           <a:spcPct val="20000"/>
         </a:spcBef>
-        <a:buFont typeface="Arial" pitchFamily="34" charset="0"/>
+        <a:buFont typeface="Arial" panose="020B0604020202020204" pitchFamily="34" charset="0"/>
         <a:buChar char="•"/>
         <a:defRPr sz="2000" kern="1200">
           <a:solidFill>
@@ -3350,7 +3358,7 @@
         <a:spcBef>
           <a:spcPct val="20000"/>
         </a:spcBef>
-        <a:buFont typeface="Arial" pitchFamily="34" charset="0"/>
+        <a:buFont typeface="Arial" panose="020B0604020202020204" pitchFamily="34" charset="0"/>
         <a:buChar char="•"/>
         <a:defRPr sz="2000" kern="1200">
           <a:solidFill>
@@ -3365,7 +3373,7 @@
         <a:spcBef>
           <a:spcPct val="20000"/>
         </a:spcBef>
-        <a:buFont typeface="Arial" pitchFamily="34" charset="0"/>
+        <a:buFont typeface="Arial" panose="020B0604020202020204" pitchFamily="34" charset="0"/>
         <a:buChar char="•"/>
         <a:defRPr sz="2000" kern="1200">
           <a:solidFill>
@@ -3502,7 +3510,7 @@
           <p:nvPr/>
         </p:nvPicPr>
         <p:blipFill>
-          <a:blip r:embed="rId2">
+          <a:blip r:embed="rId1">
             <a:extLst>
               <a:ext uri="{28A0092B-C50C-407E-A947-70E740481C1C}">
                 <a14:useLocalDpi xmlns:a14="http://schemas.microsoft.com/office/drawing/2010/main" val="0"/>
@@ -3608,7 +3616,7 @@
           <p:nvPr/>
         </p:nvPicPr>
         <p:blipFill>
-          <a:blip r:embed="rId3" cstate="print">
+          <a:blip r:embed="rId2" cstate="print">
             <a:extLst>
               <a:ext uri="{28A0092B-C50C-407E-A947-70E740481C1C}">
                 <a14:useLocalDpi xmlns:a14="http://schemas.microsoft.com/office/drawing/2010/main" val="0"/>
@@ -3710,7 +3718,7 @@
           <p:nvPr/>
         </p:nvPicPr>
         <p:blipFill>
-          <a:blip r:embed="rId4">
+          <a:blip r:embed="rId3">
             <a:extLst>
               <a:ext uri="{28A0092B-C50C-407E-A947-70E740481C1C}">
                 <a14:useLocalDpi xmlns:a14="http://schemas.microsoft.com/office/drawing/2010/main" val="0"/>
@@ -3808,7 +3816,7 @@
           <p:nvPr/>
         </p:nvPicPr>
         <p:blipFill>
-          <a:blip r:embed="rId5" cstate="print">
+          <a:blip r:embed="rId4" cstate="print">
             <a:extLst>
               <a:ext uri="{28A0092B-C50C-407E-A947-70E740481C1C}">
                 <a14:useLocalDpi xmlns:a14="http://schemas.microsoft.com/office/drawing/2010/main" val="0"/>
@@ -3874,6 +3882,7 @@
               <a:rPr lang="zh-CN" altLang="en-US" dirty="0"/>
               <a:t>角色新增后页面无跳转</a:t>
             </a:r>
+            <a:endParaRPr lang="zh-CN" altLang="en-US" dirty="0"/>
           </a:p>
         </p:txBody>
       </p:sp>
@@ -3886,7 +3895,7 @@
           <p:nvPr/>
         </p:nvPicPr>
         <p:blipFill>
-          <a:blip r:embed="rId6"/>
+          <a:blip r:embed="rId5"/>
           <a:stretch>
             <a:fillRect/>
           </a:stretch>
@@ -3936,11 +3945,6 @@
         </p:txBody>
       </p:sp>
     </p:spTree>
-    <p:extLst>
-      <p:ext uri="{BB962C8B-B14F-4D97-AF65-F5344CB8AC3E}">
-        <p14:creationId xmlns:p14="http://schemas.microsoft.com/office/powerpoint/2010/main" val="2664786454"/>
-      </p:ext>
-    </p:extLst>
   </p:cSld>
   <p:clrMapOvr>
     <a:masterClrMapping/>
@@ -3976,6 +3980,122 @@
           </p:nvPr>
         </p:nvPicPr>
         <p:blipFill>
+          <a:blip r:embed="rId1"/>
+          <a:stretch>
+            <a:fillRect/>
+          </a:stretch>
+        </p:blipFill>
+        <p:spPr>
+          <a:xfrm>
+            <a:off x="0" y="0"/>
+            <a:ext cx="2148101" cy="1111786"/>
+          </a:xfrm>
+          <a:prstGeom prst="rect">
+            <a:avLst/>
+          </a:prstGeom>
+        </p:spPr>
+      </p:pic>
+      <p:sp>
+        <p:nvSpPr>
+          <p:cNvPr id="4" name="TextBox 3"/>
+          <p:cNvSpPr txBox="1"/>
+          <p:nvPr/>
+        </p:nvSpPr>
+        <p:spPr>
+          <a:xfrm>
+            <a:off x="2195830" y="10795"/>
+            <a:ext cx="4394835" cy="368300"/>
+          </a:xfrm>
+          <a:prstGeom prst="rect">
+            <a:avLst/>
+          </a:prstGeom>
+          <a:noFill/>
+        </p:spPr>
+        <p:txBody>
+          <a:bodyPr wrap="square" rtlCol="0">
+            <a:spAutoFit/>
+          </a:bodyPr>
+          <a:lstStyle/>
+          <a:p>
+            <a:r>
+              <a:rPr lang="en-US" altLang="zh-CN" dirty="0"/>
+              <a:t>6</a:t>
+            </a:r>
+            <a:r>
+              <a:rPr lang="en-US" altLang="zh-CN" dirty="0" smtClean="0"/>
+              <a:t>.下拉框没有验证，为空也可以排课</a:t>
+            </a:r>
+            <a:endParaRPr lang="en-US" altLang="zh-CN" dirty="0" smtClean="0"/>
+          </a:p>
+        </p:txBody>
+      </p:sp>
+      <p:pic>
+        <p:nvPicPr>
+          <p:cNvPr id="5" name="内容占位符 3"/>
+          <p:cNvPicPr>
+            <a:picLocks noChangeAspect="1"/>
+          </p:cNvPicPr>
+          <p:nvPr/>
+        </p:nvPicPr>
+        <p:blipFill>
+          <a:blip r:embed="rId2"/>
+          <a:stretch>
+            <a:fillRect/>
+          </a:stretch>
+        </p:blipFill>
+        <p:spPr>
+          <a:xfrm>
+            <a:off x="1" y="1124744"/>
+            <a:ext cx="2195736" cy="1286381"/>
+          </a:xfrm>
+          <a:prstGeom prst="rect">
+            <a:avLst/>
+          </a:prstGeom>
+        </p:spPr>
+      </p:pic>
+      <p:sp>
+        <p:nvSpPr>
+          <p:cNvPr id="6" name="TextBox 5"/>
+          <p:cNvSpPr txBox="1"/>
+          <p:nvPr/>
+        </p:nvSpPr>
+        <p:spPr>
+          <a:xfrm>
+            <a:off x="2195737" y="1123767"/>
+            <a:ext cx="3600400" cy="369332"/>
+          </a:xfrm>
+          <a:prstGeom prst="rect">
+            <a:avLst/>
+          </a:prstGeom>
+          <a:noFill/>
+        </p:spPr>
+        <p:txBody>
+          <a:bodyPr wrap="square" rtlCol="0">
+            <a:spAutoFit/>
+          </a:bodyPr>
+          <a:lstStyle/>
+          <a:p>
+            <a:r>
+              <a:rPr lang="en-US" altLang="zh-CN" dirty="0" smtClean="0"/>
+              <a:t>7.</a:t>
+            </a:r>
+            <a:r>
+              <a:rPr lang="zh-CN" altLang="en-US" dirty="0"/>
+              <a:t>存在冲突的地方没有冲突提示</a:t>
+            </a:r>
+            <a:endParaRPr lang="zh-CN" altLang="en-US" dirty="0"/>
+          </a:p>
+        </p:txBody>
+      </p:sp>
+      <p:pic>
+        <p:nvPicPr>
+          <p:cNvPr id="7" name="内容占位符 3"/>
+          <p:cNvPicPr>
+            <a:picLocks noChangeAspect="1"/>
+          </p:cNvPicPr>
+          <p:nvPr/>
+        </p:nvPicPr>
+        <p:blipFill>
           <a:blip r:embed="rId3"/>
           <a:stretch>
             <a:fillRect/>
@@ -3983,8 +4103,8 @@
         </p:blipFill>
         <p:spPr>
           <a:xfrm>
-            <a:off x="0" y="0"/>
-            <a:ext cx="2148101" cy="1111786"/>
+            <a:off x="7641" y="2411126"/>
+            <a:ext cx="2188095" cy="986190"/>
           </a:xfrm>
           <a:prstGeom prst="rect">
             <a:avLst/>
@@ -3993,14 +4113,14 @@
       </p:pic>
       <p:sp>
         <p:nvSpPr>
-          <p:cNvPr id="4" name="TextBox 3"/>
+          <p:cNvPr id="8" name="TextBox 7"/>
           <p:cNvSpPr txBox="1"/>
           <p:nvPr/>
         </p:nvSpPr>
         <p:spPr>
           <a:xfrm>
-            <a:off x="2195736" y="10691"/>
-            <a:ext cx="3600400" cy="369332"/>
+            <a:off x="2195737" y="2389749"/>
+            <a:ext cx="3600400" cy="646331"/>
           </a:xfrm>
           <a:prstGeom prst="rect">
             <a:avLst/>
@@ -4015,7 +4135,7 @@
           <a:p>
             <a:r>
               <a:rPr lang="en-US" altLang="zh-CN" dirty="0"/>
-              <a:t>6</a:t>
+              <a:t>8</a:t>
             </a:r>
             <a:r>
               <a:rPr lang="en-US" altLang="zh-CN" dirty="0" smtClean="0"/>
@@ -4023,15 +4143,18 @@
             </a:r>
             <a:r>
               <a:rPr lang="zh-CN" altLang="en-US" dirty="0"/>
-              <a:t>确认保存成功后，页面无跳转</a:t>
-            </a:r>
+              <a:t>查看排课表格样式没有调</a:t>
+            </a:r>
+            <a:br>
+              <a:rPr lang="zh-CN" altLang="en-US" dirty="0"/>
+            </a:br>
             <a:endParaRPr lang="zh-CN" altLang="en-US" dirty="0"/>
           </a:p>
         </p:txBody>
       </p:sp>
       <p:pic>
         <p:nvPicPr>
-          <p:cNvPr id="5" name="内容占位符 3"/>
+          <p:cNvPr id="9" name="内容占位符 3"/>
           <p:cNvPicPr>
             <a:picLocks noChangeAspect="1"/>
           </p:cNvPicPr>
@@ -4045,8 +4168,8 @@
         </p:blipFill>
         <p:spPr>
           <a:xfrm>
-            <a:off x="1" y="1124744"/>
-            <a:ext cx="2195736" cy="1286381"/>
+            <a:off x="0" y="3398879"/>
+            <a:ext cx="2195736" cy="1309308"/>
           </a:xfrm>
           <a:prstGeom prst="rect">
             <a:avLst/>
@@ -4055,13 +4178,13 @@
       </p:pic>
       <p:sp>
         <p:nvSpPr>
-          <p:cNvPr id="6" name="TextBox 5"/>
+          <p:cNvPr id="10" name="TextBox 9"/>
           <p:cNvSpPr txBox="1"/>
           <p:nvPr/>
         </p:nvSpPr>
         <p:spPr>
           <a:xfrm>
-            <a:off x="2195737" y="1123767"/>
+            <a:off x="2195736" y="3501008"/>
             <a:ext cx="3600400" cy="369332"/>
           </a:xfrm>
           <a:prstGeom prst="rect">
@@ -4077,11 +4200,45 @@
           <a:p>
             <a:r>
               <a:rPr lang="en-US" altLang="zh-CN" dirty="0" smtClean="0"/>
-              <a:t>7.</a:t>
+              <a:t>9.</a:t>
             </a:r>
             <a:r>
               <a:rPr lang="zh-CN" altLang="en-US" dirty="0"/>
-              <a:t>存在冲突的地方没有冲突提示</a:t>
+              <a:t>调课页面样式冲突样式没有调整</a:t>
+            </a:r>
+            <a:endParaRPr lang="zh-CN" altLang="en-US" dirty="0"/>
+          </a:p>
+        </p:txBody>
+      </p:sp>
+      <p:sp>
+        <p:nvSpPr>
+          <p:cNvPr id="11" name="TextBox 10"/>
+          <p:cNvSpPr txBox="1"/>
+          <p:nvPr/>
+        </p:nvSpPr>
+        <p:spPr>
+          <a:xfrm>
+            <a:off x="2195738" y="4708187"/>
+            <a:ext cx="6948262" cy="369332"/>
+          </a:xfrm>
+          <a:prstGeom prst="rect">
+            <a:avLst/>
+          </a:prstGeom>
+          <a:noFill/>
+        </p:spPr>
+        <p:txBody>
+          <a:bodyPr wrap="square" rtlCol="0">
+            <a:spAutoFit/>
+          </a:bodyPr>
+          <a:lstStyle/>
+          <a:p>
+            <a:r>
+              <a:rPr lang="en-US" altLang="zh-CN" dirty="0" smtClean="0"/>
+              <a:t>10.</a:t>
+            </a:r>
+            <a:r>
+              <a:rPr lang="zh-CN" altLang="en-US" dirty="0"/>
+              <a:t>点击确认保存，没有提示信息，也不跳转，不知道是否保存成功</a:t>
             </a:r>
             <a:endParaRPr lang="zh-CN" altLang="en-US" dirty="0"/>
           </a:p>
@@ -4089,7 +4246,7 @@
       </p:sp>
       <p:pic>
         <p:nvPicPr>
-          <p:cNvPr id="7" name="内容占位符 3"/>
+          <p:cNvPr id="12" name="内容占位符 3"/>
           <p:cNvPicPr>
             <a:picLocks noChangeAspect="1"/>
           </p:cNvPicPr>
@@ -4103,181 +4260,15 @@
         </p:blipFill>
         <p:spPr>
           <a:xfrm>
-            <a:off x="7641" y="2411126"/>
-            <a:ext cx="2188095" cy="986190"/>
+            <a:off x="-22776" y="4708187"/>
+            <a:ext cx="2218514" cy="1745149"/>
           </a:xfrm>
           <a:prstGeom prst="rect">
             <a:avLst/>
           </a:prstGeom>
         </p:spPr>
       </p:pic>
-      <p:sp>
-        <p:nvSpPr>
-          <p:cNvPr id="8" name="TextBox 7"/>
-          <p:cNvSpPr txBox="1"/>
-          <p:nvPr/>
-        </p:nvSpPr>
-        <p:spPr>
-          <a:xfrm>
-            <a:off x="2195737" y="2389749"/>
-            <a:ext cx="3600400" cy="646331"/>
-          </a:xfrm>
-          <a:prstGeom prst="rect">
-            <a:avLst/>
-          </a:prstGeom>
-          <a:noFill/>
-        </p:spPr>
-        <p:txBody>
-          <a:bodyPr wrap="square" rtlCol="0">
-            <a:spAutoFit/>
-          </a:bodyPr>
-          <a:lstStyle/>
-          <a:p>
-            <a:r>
-              <a:rPr lang="en-US" altLang="zh-CN" dirty="0"/>
-              <a:t>8</a:t>
-            </a:r>
-            <a:r>
-              <a:rPr lang="en-US" altLang="zh-CN" dirty="0" smtClean="0"/>
-              <a:t>.</a:t>
-            </a:r>
-            <a:r>
-              <a:rPr lang="zh-CN" altLang="en-US" dirty="0"/>
-              <a:t>查看排课表格样式没有调</a:t>
-            </a:r>
-            <a:br>
-              <a:rPr lang="zh-CN" altLang="en-US" dirty="0"/>
-            </a:br>
-            <a:endParaRPr lang="zh-CN" altLang="en-US" dirty="0"/>
-          </a:p>
-        </p:txBody>
-      </p:sp>
-      <p:pic>
-        <p:nvPicPr>
-          <p:cNvPr id="9" name="内容占位符 3"/>
-          <p:cNvPicPr>
-            <a:picLocks noChangeAspect="1"/>
-          </p:cNvPicPr>
-          <p:nvPr/>
-        </p:nvPicPr>
-        <p:blipFill>
-          <a:blip r:embed="rId6"/>
-          <a:stretch>
-            <a:fillRect/>
-          </a:stretch>
-        </p:blipFill>
-        <p:spPr>
-          <a:xfrm>
-            <a:off x="0" y="3398879"/>
-            <a:ext cx="2195736" cy="1309308"/>
-          </a:xfrm>
-          <a:prstGeom prst="rect">
-            <a:avLst/>
-          </a:prstGeom>
-        </p:spPr>
-      </p:pic>
-      <p:sp>
-        <p:nvSpPr>
-          <p:cNvPr id="10" name="TextBox 9"/>
-          <p:cNvSpPr txBox="1"/>
-          <p:nvPr/>
-        </p:nvSpPr>
-        <p:spPr>
-          <a:xfrm>
-            <a:off x="2195736" y="3501008"/>
-            <a:ext cx="3600400" cy="369332"/>
-          </a:xfrm>
-          <a:prstGeom prst="rect">
-            <a:avLst/>
-          </a:prstGeom>
-          <a:noFill/>
-        </p:spPr>
-        <p:txBody>
-          <a:bodyPr wrap="square" rtlCol="0">
-            <a:spAutoFit/>
-          </a:bodyPr>
-          <a:lstStyle/>
-          <a:p>
-            <a:r>
-              <a:rPr lang="en-US" altLang="zh-CN" dirty="0" smtClean="0"/>
-              <a:t>9.</a:t>
-            </a:r>
-            <a:r>
-              <a:rPr lang="zh-CN" altLang="en-US" dirty="0"/>
-              <a:t>调课页面样式冲突样式没有调整</a:t>
-            </a:r>
-            <a:endParaRPr lang="zh-CN" altLang="en-US" dirty="0"/>
-          </a:p>
-        </p:txBody>
-      </p:sp>
-      <p:sp>
-        <p:nvSpPr>
-          <p:cNvPr id="11" name="TextBox 10"/>
-          <p:cNvSpPr txBox="1"/>
-          <p:nvPr/>
-        </p:nvSpPr>
-        <p:spPr>
-          <a:xfrm>
-            <a:off x="2195738" y="4708187"/>
-            <a:ext cx="6948262" cy="369332"/>
-          </a:xfrm>
-          <a:prstGeom prst="rect">
-            <a:avLst/>
-          </a:prstGeom>
-          <a:noFill/>
-        </p:spPr>
-        <p:txBody>
-          <a:bodyPr wrap="square" rtlCol="0">
-            <a:spAutoFit/>
-          </a:bodyPr>
-          <a:lstStyle/>
-          <a:p>
-            <a:r>
-              <a:rPr lang="en-US" altLang="zh-CN" dirty="0" smtClean="0"/>
-              <a:t>10</a:t>
-            </a:r>
-            <a:r>
-              <a:rPr lang="en-US" altLang="zh-CN" dirty="0" smtClean="0"/>
-              <a:t>.</a:t>
-            </a:r>
-            <a:r>
-              <a:rPr lang="zh-CN" altLang="en-US" dirty="0"/>
-              <a:t>点击确认保存，没有提示信息，也不跳转，不知道是否保存成功</a:t>
-            </a:r>
-            <a:endParaRPr lang="zh-CN" altLang="en-US" dirty="0"/>
-          </a:p>
-        </p:txBody>
-      </p:sp>
-      <p:pic>
-        <p:nvPicPr>
-          <p:cNvPr id="12" name="内容占位符 3"/>
-          <p:cNvPicPr>
-            <a:picLocks noChangeAspect="1"/>
-          </p:cNvPicPr>
-          <p:nvPr/>
-        </p:nvPicPr>
-        <p:blipFill>
-          <a:blip r:embed="rId7"/>
-          <a:stretch>
-            <a:fillRect/>
-          </a:stretch>
-        </p:blipFill>
-        <p:spPr>
-          <a:xfrm>
-            <a:off x="-22776" y="4708187"/>
-            <a:ext cx="2218514" cy="1745149"/>
-          </a:xfrm>
-          <a:prstGeom prst="rect">
-            <a:avLst/>
-          </a:prstGeom>
-        </p:spPr>
-      </p:pic>
     </p:spTree>
-    <p:extLst>
-      <p:ext uri="{BB962C8B-B14F-4D97-AF65-F5344CB8AC3E}">
-        <p14:creationId xmlns:p14="http://schemas.microsoft.com/office/powerpoint/2010/main" val="191811640"/>
-      </p:ext>
-    </p:extLst>
   </p:cSld>
   <p:clrMapOvr>
     <a:masterClrMapping/>
@@ -4311,6 +4302,66 @@
           <p:nvPr/>
         </p:nvPicPr>
         <p:blipFill>
+          <a:blip r:embed="rId1"/>
+          <a:stretch>
+            <a:fillRect/>
+          </a:stretch>
+        </p:blipFill>
+        <p:spPr>
+          <a:xfrm>
+            <a:off x="-12897" y="-4402"/>
+            <a:ext cx="2712690" cy="1336700"/>
+          </a:xfrm>
+          <a:prstGeom prst="rect">
+            <a:avLst/>
+          </a:prstGeom>
+        </p:spPr>
+      </p:pic>
+      <p:sp>
+        <p:nvSpPr>
+          <p:cNvPr id="4" name="TextBox 3"/>
+          <p:cNvSpPr txBox="1"/>
+          <p:nvPr/>
+        </p:nvSpPr>
+        <p:spPr>
+          <a:xfrm>
+            <a:off x="2699793" y="0"/>
+            <a:ext cx="6948262" cy="369332"/>
+          </a:xfrm>
+          <a:prstGeom prst="rect">
+            <a:avLst/>
+          </a:prstGeom>
+          <a:noFill/>
+        </p:spPr>
+        <p:txBody>
+          <a:bodyPr wrap="square" rtlCol="0">
+            <a:spAutoFit/>
+          </a:bodyPr>
+          <a:lstStyle/>
+          <a:p>
+            <a:r>
+              <a:rPr lang="en-US" altLang="zh-CN" dirty="0" smtClean="0"/>
+              <a:t>11.</a:t>
+            </a:r>
+            <a:r>
+              <a:rPr lang="zh-CN" altLang="en-US" dirty="0"/>
+              <a:t>点击调课没反应</a:t>
+            </a:r>
+            <a:endParaRPr lang="zh-CN" altLang="en-US" dirty="0"/>
+          </a:p>
+        </p:txBody>
+      </p:sp>
+      <p:pic>
+        <p:nvPicPr>
+          <p:cNvPr id="5" name="内容占位符 3"/>
+          <p:cNvPicPr>
+            <a:picLocks noGrp="1" noChangeAspect="1"/>
+          </p:cNvPicPr>
+          <p:nvPr>
+            <p:ph idx="1"/>
+          </p:nvPr>
+        </p:nvPicPr>
+        <p:blipFill>
           <a:blip r:embed="rId2"/>
           <a:stretch>
             <a:fillRect/>
@@ -4318,8 +4369,8 @@
         </p:blipFill>
         <p:spPr>
           <a:xfrm>
-            <a:off x="-12897" y="-4402"/>
-            <a:ext cx="2712690" cy="1336700"/>
+            <a:off x="0" y="1332298"/>
+            <a:ext cx="2699793" cy="1448630"/>
           </a:xfrm>
           <a:prstGeom prst="rect">
             <a:avLst/>
@@ -4328,13 +4379,13 @@
       </p:pic>
       <p:sp>
         <p:nvSpPr>
-          <p:cNvPr id="4" name="TextBox 3"/>
+          <p:cNvPr id="6" name="TextBox 5"/>
           <p:cNvSpPr txBox="1"/>
           <p:nvPr/>
         </p:nvSpPr>
         <p:spPr>
           <a:xfrm>
-            <a:off x="2699793" y="0"/>
+            <a:off x="2664347" y="1332298"/>
             <a:ext cx="6948262" cy="369332"/>
           </a:xfrm>
           <a:prstGeom prst="rect">
@@ -4350,75 +4401,7 @@
           <a:p>
             <a:r>
               <a:rPr lang="en-US" altLang="zh-CN" dirty="0" smtClean="0"/>
-              <a:t>11</a:t>
-            </a:r>
-            <a:r>
-              <a:rPr lang="en-US" altLang="zh-CN" dirty="0" smtClean="0"/>
-              <a:t>.</a:t>
-            </a:r>
-            <a:r>
-              <a:rPr lang="zh-CN" altLang="en-US" dirty="0"/>
-              <a:t>点击调课没反应</a:t>
-            </a:r>
-            <a:endParaRPr lang="zh-CN" altLang="en-US" dirty="0"/>
-          </a:p>
-        </p:txBody>
-      </p:sp>
-      <p:pic>
-        <p:nvPicPr>
-          <p:cNvPr id="5" name="内容占位符 3"/>
-          <p:cNvPicPr>
-            <a:picLocks noGrp="1" noChangeAspect="1"/>
-          </p:cNvPicPr>
-          <p:nvPr>
-            <p:ph idx="1"/>
-          </p:nvPr>
-        </p:nvPicPr>
-        <p:blipFill>
-          <a:blip r:embed="rId3"/>
-          <a:stretch>
-            <a:fillRect/>
-          </a:stretch>
-        </p:blipFill>
-        <p:spPr>
-          <a:xfrm>
-            <a:off x="0" y="1332298"/>
-            <a:ext cx="2699793" cy="1448630"/>
-          </a:xfrm>
-          <a:prstGeom prst="rect">
-            <a:avLst/>
-          </a:prstGeom>
-        </p:spPr>
-      </p:pic>
-      <p:sp>
-        <p:nvSpPr>
-          <p:cNvPr id="6" name="TextBox 5"/>
-          <p:cNvSpPr txBox="1"/>
-          <p:nvPr/>
-        </p:nvSpPr>
-        <p:spPr>
-          <a:xfrm>
-            <a:off x="2664347" y="1332298"/>
-            <a:ext cx="6948262" cy="369332"/>
-          </a:xfrm>
-          <a:prstGeom prst="rect">
-            <a:avLst/>
-          </a:prstGeom>
-          <a:noFill/>
-        </p:spPr>
-        <p:txBody>
-          <a:bodyPr wrap="square" rtlCol="0">
-            <a:spAutoFit/>
-          </a:bodyPr>
-          <a:lstStyle/>
-          <a:p>
-            <a:r>
-              <a:rPr lang="en-US" altLang="zh-CN" dirty="0" smtClean="0"/>
-              <a:t>12</a:t>
-            </a:r>
-            <a:r>
-              <a:rPr lang="en-US" altLang="zh-CN" dirty="0" smtClean="0"/>
-              <a:t>.</a:t>
+              <a:t>12.</a:t>
             </a:r>
             <a:r>
               <a:rPr lang="zh-CN" altLang="en-US"/>
@@ -4437,14 +4420,14 @@
           <p:nvPr/>
         </p:nvPicPr>
         <p:blipFill>
-          <a:blip r:embed="rId4"/>
+          <a:blip r:embed="rId3"/>
           <a:stretch>
             <a:fillRect/>
           </a:stretch>
         </p:blipFill>
         <p:spPr>
           <a:xfrm>
-            <a:off x="-108520" y="2780928"/>
+            <a:off x="198185" y="3244478"/>
             <a:ext cx="2808313" cy="1260834"/>
           </a:xfrm>
           <a:prstGeom prst="rect">
@@ -4476,11 +4459,7 @@
           <a:p>
             <a:r>
               <a:rPr lang="en-US" altLang="zh-CN" dirty="0" smtClean="0"/>
-              <a:t>13</a:t>
-            </a:r>
-            <a:r>
-              <a:rPr lang="en-US" altLang="zh-CN" dirty="0" smtClean="0"/>
-              <a:t>.</a:t>
+              <a:t>13.</a:t>
             </a:r>
             <a:r>
               <a:rPr lang="zh-CN" altLang="en-US" dirty="0"/>
@@ -4516,11 +4495,6 @@
         </p:txBody>
       </p:sp>
     </p:spTree>
-    <p:extLst>
-      <p:ext uri="{BB962C8B-B14F-4D97-AF65-F5344CB8AC3E}">
-        <p14:creationId xmlns:p14="http://schemas.microsoft.com/office/powerpoint/2010/main" val="2766975319"/>
-      </p:ext>
-    </p:extLst>
   </p:cSld>
   <p:clrMapOvr>
     <a:masterClrMapping/>
@@ -4546,11 +4520,6 @@
         </a:xfrm>
       </p:grpSpPr>
     </p:spTree>
-    <p:extLst>
-      <p:ext uri="{BB962C8B-B14F-4D97-AF65-F5344CB8AC3E}">
-        <p14:creationId xmlns:p14="http://schemas.microsoft.com/office/powerpoint/2010/main" val="237412547"/>
-      </p:ext>
-    </p:extLst>
   </p:cSld>
   <p:clrMapOvr>
     <a:masterClrMapping/>
@@ -4836,8 +4805,11 @@
       </a:bgFillStyleLst>
     </a:fmtScheme>
   </a:themeElements>
-  <a:objectDefaults/>
-  <a:extraClrSchemeLst/>
+  <a:extLst>
+    <a:ext uri="{05A4C25C-085E-4340-85A3-A5531E510DB2}">
+      <thm15:themeFamily xmlns:thm15="http://schemas.microsoft.com/office/thememl/2012/main" name="Office Theme" id="{62F939B6-93AF-4DB8-9C6B-D6C7DFDC589F}" vid="{4A3C46E8-61CC-4603-A589-7422A47A8E4A}"/>
+    </a:ext>
+  </a:extLst>
 </a:theme>
 </file>
 
@@ -5121,7 +5093,10 @@
       </a:bgFillStyleLst>
     </a:fmtScheme>
   </a:themeElements>
-  <a:objectDefaults/>
-  <a:extraClrSchemeLst/>
+  <a:extLst>
+    <a:ext uri="{05A4C25C-085E-4340-85A3-A5531E510DB2}">
+      <thm15:themeFamily xmlns:thm15="http://schemas.microsoft.com/office/thememl/2012/main" name="Office Theme" id="{62F939B6-93AF-4DB8-9C6B-D6C7DFDC589F}" vid="{4A3C46E8-61CC-4603-A589-7422A47A8E4A}"/>
+    </a:ext>
+  </a:extLst>
 </a:theme>
 </file>